--- a/report/PAWSOME.pptx
+++ b/report/PAWSOME.pptx
@@ -112,6 +112,11 @@
       </a:defRPr>
     </a:lvl9pPr>
   </p:defaultTextStyle>
+  <p:extLst>
+    <p:ext uri="{EFAFB233-063F-42B5-8137-9DF3F51BA10A}">
+      <p15:sldGuideLst xmlns:p15="http://schemas.microsoft.com/office/powerpoint/2012/main"/>
+    </p:ext>
+  </p:extLst>
 </p:presentation>
 </file>
 
@@ -298,7 +303,7 @@
           </a:lstStyle>
           <a:p>
             <a:r>
-              <a:rPr lang="pt-PT" smtClean="0"/>
+              <a:rPr lang="pt-PT"/>
               <a:t>Clique para editar o estilo</a:t>
             </a:r>
             <a:endParaRPr lang="en-US" dirty="0"/>
@@ -365,7 +370,7 @@
           </a:lstStyle>
           <a:p>
             <a:r>
-              <a:rPr lang="pt-PT" smtClean="0"/>
+              <a:rPr lang="pt-PT"/>
               <a:t>Clique para editar o estilo do subtítulo do Modelo Global</a:t>
             </a:r>
             <a:endParaRPr lang="en-US" dirty="0"/>
@@ -633,7 +638,7 @@
           </a:lstStyle>
           <a:p>
             <a:r>
-              <a:rPr lang="pt-PT" smtClean="0"/>
+              <a:rPr lang="pt-PT"/>
               <a:t>Clique para editar o estilo</a:t>
             </a:r>
             <a:endParaRPr lang="en-US" dirty="0"/>
@@ -709,7 +714,7 @@
           </a:lstStyle>
           <a:p>
             <a:r>
-              <a:rPr lang="pt-PT" smtClean="0"/>
+              <a:rPr lang="pt-PT"/>
               <a:t>Clique no ícone para adicionar uma imagem</a:t>
             </a:r>
             <a:endParaRPr lang="en-US" dirty="0"/>
@@ -775,7 +780,7 @@
           <a:p>
             <a:pPr lvl="0"/>
             <a:r>
-              <a:rPr lang="pt-PT" smtClean="0"/>
+              <a:rPr lang="pt-PT"/>
               <a:t>Editar os estilos de texto do Modelo Global</a:t>
             </a:r>
           </a:p>
@@ -1040,7 +1045,7 @@
           </a:lstStyle>
           <a:p>
             <a:r>
-              <a:rPr lang="pt-PT" smtClean="0"/>
+              <a:rPr lang="pt-PT"/>
               <a:t>Clique para editar o estilo</a:t>
             </a:r>
             <a:endParaRPr lang="en-US" dirty="0"/>
@@ -1106,7 +1111,7 @@
           <a:p>
             <a:pPr lvl="0"/>
             <a:r>
-              <a:rPr lang="pt-PT" smtClean="0"/>
+              <a:rPr lang="pt-PT"/>
               <a:t>Editar os estilos de texto do Modelo Global</a:t>
             </a:r>
           </a:p>
@@ -1371,7 +1376,7 @@
           </a:lstStyle>
           <a:p>
             <a:r>
-              <a:rPr lang="pt-PT" smtClean="0"/>
+              <a:rPr lang="pt-PT"/>
               <a:t>Clique para editar o estilo</a:t>
             </a:r>
             <a:endParaRPr lang="en-US" dirty="0"/>
@@ -1439,7 +1444,7 @@
           <a:p>
             <a:pPr lvl="0"/>
             <a:r>
-              <a:rPr lang="pt-PT" smtClean="0"/>
+              <a:rPr lang="pt-PT"/>
               <a:t>Editar os estilos de texto do Modelo Global</a:t>
             </a:r>
           </a:p>
@@ -1506,7 +1511,7 @@
           <a:p>
             <a:pPr lvl="0"/>
             <a:r>
-              <a:rPr lang="pt-PT" smtClean="0"/>
+              <a:rPr lang="pt-PT"/>
               <a:t>Editar os estilos de texto do Modelo Global</a:t>
             </a:r>
           </a:p>
@@ -2003,7 +2008,7 @@
           </a:lstStyle>
           <a:p>
             <a:r>
-              <a:rPr lang="pt-PT" smtClean="0"/>
+              <a:rPr lang="pt-PT"/>
               <a:t>Clique para editar o estilo</a:t>
             </a:r>
             <a:endParaRPr lang="en-US" dirty="0"/>
@@ -2069,7 +2074,7 @@
           <a:p>
             <a:pPr lvl="0"/>
             <a:r>
-              <a:rPr lang="pt-PT" smtClean="0"/>
+              <a:rPr lang="pt-PT"/>
               <a:t>Editar os estilos de texto do Modelo Global</a:t>
             </a:r>
           </a:p>
@@ -2330,7 +2335,7 @@
           <a:lstStyle/>
           <a:p>
             <a:r>
-              <a:rPr lang="pt-PT" smtClean="0"/>
+              <a:rPr lang="pt-PT"/>
               <a:t>Clique para editar o estilo</a:t>
             </a:r>
             <a:endParaRPr lang="en-US" dirty="0"/>
@@ -2402,7 +2407,7 @@
           <a:p>
             <a:pPr lvl="0"/>
             <a:r>
-              <a:rPr lang="pt-PT" smtClean="0"/>
+              <a:rPr lang="pt-PT"/>
               <a:t>Editar os estilos de texto do Modelo Global</a:t>
             </a:r>
           </a:p>
@@ -2469,7 +2474,7 @@
           <a:p>
             <a:pPr lvl="0"/>
             <a:r>
-              <a:rPr lang="pt-PT" smtClean="0"/>
+              <a:rPr lang="pt-PT"/>
               <a:t>Editar os estilos de texto do Modelo Global</a:t>
             </a:r>
           </a:p>
@@ -2540,7 +2545,7 @@
           <a:p>
             <a:pPr lvl="0"/>
             <a:r>
-              <a:rPr lang="pt-PT" smtClean="0"/>
+              <a:rPr lang="pt-PT"/>
               <a:t>Editar os estilos de texto do Modelo Global</a:t>
             </a:r>
           </a:p>
@@ -2607,7 +2612,7 @@
           <a:p>
             <a:pPr lvl="0"/>
             <a:r>
-              <a:rPr lang="pt-PT" smtClean="0"/>
+              <a:rPr lang="pt-PT"/>
               <a:t>Editar os estilos de texto do Modelo Global</a:t>
             </a:r>
           </a:p>
@@ -2678,7 +2683,7 @@
           <a:p>
             <a:pPr lvl="0"/>
             <a:r>
-              <a:rPr lang="pt-PT" smtClean="0"/>
+              <a:rPr lang="pt-PT"/>
               <a:t>Editar os estilos de texto do Modelo Global</a:t>
             </a:r>
           </a:p>
@@ -2745,7 +2750,7 @@
           <a:p>
             <a:pPr lvl="0"/>
             <a:r>
-              <a:rPr lang="pt-PT" smtClean="0"/>
+              <a:rPr lang="pt-PT"/>
               <a:t>Editar os estilos de texto do Modelo Global</a:t>
             </a:r>
           </a:p>
@@ -3001,7 +3006,7 @@
           <a:lstStyle/>
           <a:p>
             <a:r>
-              <a:rPr lang="pt-PT" smtClean="0"/>
+              <a:rPr lang="pt-PT"/>
               <a:t>Clique para editar o estilo</a:t>
             </a:r>
             <a:endParaRPr lang="en-US" dirty="0"/>
@@ -3073,7 +3078,7 @@
           <a:p>
             <a:pPr lvl="0"/>
             <a:r>
-              <a:rPr lang="pt-PT" smtClean="0"/>
+              <a:rPr lang="pt-PT"/>
               <a:t>Editar os estilos de texto do Modelo Global</a:t>
             </a:r>
           </a:p>
@@ -3151,7 +3156,7 @@
           </a:lstStyle>
           <a:p>
             <a:r>
-              <a:rPr lang="pt-PT" smtClean="0"/>
+              <a:rPr lang="pt-PT"/>
               <a:t>Clique no ícone para adicionar uma imagem</a:t>
             </a:r>
             <a:endParaRPr lang="en-US" dirty="0"/>
@@ -3219,7 +3224,7 @@
           <a:p>
             <a:pPr lvl="0"/>
             <a:r>
-              <a:rPr lang="pt-PT" smtClean="0"/>
+              <a:rPr lang="pt-PT"/>
               <a:t>Editar os estilos de texto do Modelo Global</a:t>
             </a:r>
           </a:p>
@@ -3290,7 +3295,7 @@
           <a:p>
             <a:pPr lvl="0"/>
             <a:r>
-              <a:rPr lang="pt-PT" smtClean="0"/>
+              <a:rPr lang="pt-PT"/>
               <a:t>Editar os estilos de texto do Modelo Global</a:t>
             </a:r>
           </a:p>
@@ -3368,7 +3373,7 @@
           </a:lstStyle>
           <a:p>
             <a:r>
-              <a:rPr lang="pt-PT" smtClean="0"/>
+              <a:rPr lang="pt-PT"/>
               <a:t>Clique no ícone para adicionar uma imagem</a:t>
             </a:r>
             <a:endParaRPr lang="en-US" dirty="0"/>
@@ -3436,7 +3441,7 @@
           <a:p>
             <a:pPr lvl="0"/>
             <a:r>
-              <a:rPr lang="pt-PT" smtClean="0"/>
+              <a:rPr lang="pt-PT"/>
               <a:t>Editar os estilos de texto do Modelo Global</a:t>
             </a:r>
           </a:p>
@@ -3507,7 +3512,7 @@
           <a:p>
             <a:pPr lvl="0"/>
             <a:r>
-              <a:rPr lang="pt-PT" smtClean="0"/>
+              <a:rPr lang="pt-PT"/>
               <a:t>Editar os estilos de texto do Modelo Global</a:t>
             </a:r>
           </a:p>
@@ -3585,7 +3590,7 @@
           </a:lstStyle>
           <a:p>
             <a:r>
-              <a:rPr lang="pt-PT" smtClean="0"/>
+              <a:rPr lang="pt-PT"/>
               <a:t>Clique no ícone para adicionar uma imagem</a:t>
             </a:r>
             <a:endParaRPr lang="en-US" dirty="0"/>
@@ -3653,7 +3658,7 @@
           <a:p>
             <a:pPr lvl="0"/>
             <a:r>
-              <a:rPr lang="pt-PT" smtClean="0"/>
+              <a:rPr lang="pt-PT"/>
               <a:t>Editar os estilos de texto do Modelo Global</a:t>
             </a:r>
           </a:p>
@@ -3908,7 +3913,7 @@
           </a:lstStyle>
           <a:p>
             <a:r>
-              <a:rPr lang="pt-PT" smtClean="0"/>
+              <a:rPr lang="pt-PT"/>
               <a:t>Clique para editar o estilo</a:t>
             </a:r>
             <a:endParaRPr lang="en-US" dirty="0"/>
@@ -3932,35 +3937,35 @@
           <a:p>
             <a:pPr lvl="0"/>
             <a:r>
-              <a:rPr lang="pt-PT" smtClean="0"/>
+              <a:rPr lang="pt-PT"/>
               <a:t>Editar os estilos de texto do Modelo Global</a:t>
             </a:r>
           </a:p>
           <a:p>
             <a:pPr lvl="1"/>
             <a:r>
-              <a:rPr lang="pt-PT" smtClean="0"/>
+              <a:rPr lang="pt-PT"/>
               <a:t>Segundo nível</a:t>
             </a:r>
           </a:p>
           <a:p>
             <a:pPr lvl="2"/>
             <a:r>
-              <a:rPr lang="pt-PT" smtClean="0"/>
+              <a:rPr lang="pt-PT"/>
               <a:t>Terceiro nível</a:t>
             </a:r>
           </a:p>
           <a:p>
             <a:pPr lvl="3"/>
             <a:r>
-              <a:rPr lang="pt-PT" smtClean="0"/>
+              <a:rPr lang="pt-PT"/>
               <a:t>Quarto nível</a:t>
             </a:r>
           </a:p>
           <a:p>
             <a:pPr lvl="4"/>
             <a:r>
-              <a:rPr lang="pt-PT" smtClean="0"/>
+              <a:rPr lang="pt-PT"/>
               <a:t>Quinto nível</a:t>
             </a:r>
             <a:endParaRPr lang="en-US" dirty="0"/>
@@ -4157,7 +4162,7 @@
           <a:lstStyle/>
           <a:p>
             <a:r>
-              <a:rPr lang="pt-PT" smtClean="0"/>
+              <a:rPr lang="pt-PT"/>
               <a:t>Clique para editar o estilo</a:t>
             </a:r>
             <a:endParaRPr lang="en-US" dirty="0"/>
@@ -4186,35 +4191,35 @@
           <a:p>
             <a:pPr lvl="0"/>
             <a:r>
-              <a:rPr lang="pt-PT" smtClean="0"/>
+              <a:rPr lang="pt-PT"/>
               <a:t>Editar os estilos de texto do Modelo Global</a:t>
             </a:r>
           </a:p>
           <a:p>
             <a:pPr lvl="1"/>
             <a:r>
-              <a:rPr lang="pt-PT" smtClean="0"/>
+              <a:rPr lang="pt-PT"/>
               <a:t>Segundo nível</a:t>
             </a:r>
           </a:p>
           <a:p>
             <a:pPr lvl="2"/>
             <a:r>
-              <a:rPr lang="pt-PT" smtClean="0"/>
+              <a:rPr lang="pt-PT"/>
               <a:t>Terceiro nível</a:t>
             </a:r>
           </a:p>
           <a:p>
             <a:pPr lvl="3"/>
             <a:r>
-              <a:rPr lang="pt-PT" smtClean="0"/>
+              <a:rPr lang="pt-PT"/>
               <a:t>Quarto nível</a:t>
             </a:r>
           </a:p>
           <a:p>
             <a:pPr lvl="4"/>
             <a:r>
-              <a:rPr lang="pt-PT" smtClean="0"/>
+              <a:rPr lang="pt-PT"/>
               <a:t>Quinto nível</a:t>
             </a:r>
             <a:endParaRPr lang="en-US" dirty="0"/>
@@ -4486,7 +4491,7 @@
           <a:lstStyle/>
           <a:p>
             <a:r>
-              <a:rPr lang="pt-PT" smtClean="0"/>
+              <a:rPr lang="pt-PT"/>
               <a:t>Clique para editar o estilo</a:t>
             </a:r>
             <a:endParaRPr lang="en-US" dirty="0"/>
@@ -4510,35 +4515,35 @@
           <a:p>
             <a:pPr lvl="0"/>
             <a:r>
-              <a:rPr lang="pt-PT" smtClean="0"/>
+              <a:rPr lang="pt-PT"/>
               <a:t>Editar os estilos de texto do Modelo Global</a:t>
             </a:r>
           </a:p>
           <a:p>
             <a:pPr lvl="1"/>
             <a:r>
-              <a:rPr lang="pt-PT" smtClean="0"/>
+              <a:rPr lang="pt-PT"/>
               <a:t>Segundo nível</a:t>
             </a:r>
           </a:p>
           <a:p>
             <a:pPr lvl="2"/>
             <a:r>
-              <a:rPr lang="pt-PT" smtClean="0"/>
+              <a:rPr lang="pt-PT"/>
               <a:t>Terceiro nível</a:t>
             </a:r>
           </a:p>
           <a:p>
             <a:pPr lvl="3"/>
             <a:r>
-              <a:rPr lang="pt-PT" smtClean="0"/>
+              <a:rPr lang="pt-PT"/>
               <a:t>Quarto nível</a:t>
             </a:r>
           </a:p>
           <a:p>
             <a:pPr lvl="4"/>
             <a:r>
-              <a:rPr lang="pt-PT" smtClean="0"/>
+              <a:rPr lang="pt-PT"/>
               <a:t>Quinto nível</a:t>
             </a:r>
             <a:endParaRPr lang="en-US" dirty="0"/>
@@ -4801,7 +4806,7 @@
           </a:lstStyle>
           <a:p>
             <a:r>
-              <a:rPr lang="pt-PT" smtClean="0"/>
+              <a:rPr lang="pt-PT"/>
               <a:t>Clique para editar o estilo</a:t>
             </a:r>
             <a:endParaRPr lang="en-US" dirty="0"/>
@@ -4923,7 +4928,7 @@
           <a:p>
             <a:pPr lvl="0"/>
             <a:r>
-              <a:rPr lang="pt-PT" smtClean="0"/>
+              <a:rPr lang="pt-PT"/>
               <a:t>Editar os estilos de texto do Modelo Global</a:t>
             </a:r>
           </a:p>
@@ -5179,7 +5184,7 @@
           <a:lstStyle/>
           <a:p>
             <a:r>
-              <a:rPr lang="pt-PT" smtClean="0"/>
+              <a:rPr lang="pt-PT"/>
               <a:t>Clique para editar o estilo</a:t>
             </a:r>
             <a:endParaRPr lang="en-US" dirty="0"/>
@@ -5208,35 +5213,35 @@
           <a:p>
             <a:pPr lvl="0"/>
             <a:r>
-              <a:rPr lang="pt-PT" smtClean="0"/>
+              <a:rPr lang="pt-PT"/>
               <a:t>Editar os estilos de texto do Modelo Global</a:t>
             </a:r>
           </a:p>
           <a:p>
             <a:pPr lvl="1"/>
             <a:r>
-              <a:rPr lang="pt-PT" smtClean="0"/>
+              <a:rPr lang="pt-PT"/>
               <a:t>Segundo nível</a:t>
             </a:r>
           </a:p>
           <a:p>
             <a:pPr lvl="2"/>
             <a:r>
-              <a:rPr lang="pt-PT" smtClean="0"/>
+              <a:rPr lang="pt-PT"/>
               <a:t>Terceiro nível</a:t>
             </a:r>
           </a:p>
           <a:p>
             <a:pPr lvl="3"/>
             <a:r>
-              <a:rPr lang="pt-PT" smtClean="0"/>
+              <a:rPr lang="pt-PT"/>
               <a:t>Quarto nível</a:t>
             </a:r>
           </a:p>
           <a:p>
             <a:pPr lvl="4"/>
             <a:r>
-              <a:rPr lang="pt-PT" smtClean="0"/>
+              <a:rPr lang="pt-PT"/>
               <a:t>Quinto nível</a:t>
             </a:r>
             <a:endParaRPr lang="en-US" dirty="0"/>
@@ -5265,35 +5270,35 @@
           <a:p>
             <a:pPr lvl="0"/>
             <a:r>
-              <a:rPr lang="pt-PT" smtClean="0"/>
+              <a:rPr lang="pt-PT"/>
               <a:t>Editar os estilos de texto do Modelo Global</a:t>
             </a:r>
           </a:p>
           <a:p>
             <a:pPr lvl="1"/>
             <a:r>
-              <a:rPr lang="pt-PT" smtClean="0"/>
+              <a:rPr lang="pt-PT"/>
               <a:t>Segundo nível</a:t>
             </a:r>
           </a:p>
           <a:p>
             <a:pPr lvl="2"/>
             <a:r>
-              <a:rPr lang="pt-PT" smtClean="0"/>
+              <a:rPr lang="pt-PT"/>
               <a:t>Terceiro nível</a:t>
             </a:r>
           </a:p>
           <a:p>
             <a:pPr lvl="3"/>
             <a:r>
-              <a:rPr lang="pt-PT" smtClean="0"/>
+              <a:rPr lang="pt-PT"/>
               <a:t>Quarto nível</a:t>
             </a:r>
           </a:p>
           <a:p>
             <a:pPr lvl="4"/>
             <a:r>
-              <a:rPr lang="pt-PT" smtClean="0"/>
+              <a:rPr lang="pt-PT"/>
               <a:t>Quinto nível</a:t>
             </a:r>
             <a:endParaRPr lang="en-US" dirty="0"/>
@@ -5550,7 +5555,7 @@
           <a:lstStyle/>
           <a:p>
             <a:r>
-              <a:rPr lang="pt-PT" smtClean="0"/>
+              <a:rPr lang="pt-PT"/>
               <a:t>Clique para editar o estilo</a:t>
             </a:r>
             <a:endParaRPr lang="en-US" dirty="0"/>
@@ -5616,7 +5621,7 @@
           <a:p>
             <a:pPr lvl="0"/>
             <a:r>
-              <a:rPr lang="pt-PT" smtClean="0"/>
+              <a:rPr lang="pt-PT"/>
               <a:t>Editar os estilos de texto do Modelo Global</a:t>
             </a:r>
           </a:p>
@@ -5644,35 +5649,35 @@
           <a:p>
             <a:pPr lvl="0"/>
             <a:r>
-              <a:rPr lang="pt-PT" smtClean="0"/>
+              <a:rPr lang="pt-PT"/>
               <a:t>Editar os estilos de texto do Modelo Global</a:t>
             </a:r>
           </a:p>
           <a:p>
             <a:pPr lvl="1"/>
             <a:r>
-              <a:rPr lang="pt-PT" smtClean="0"/>
+              <a:rPr lang="pt-PT"/>
               <a:t>Segundo nível</a:t>
             </a:r>
           </a:p>
           <a:p>
             <a:pPr lvl="2"/>
             <a:r>
-              <a:rPr lang="pt-PT" smtClean="0"/>
+              <a:rPr lang="pt-PT"/>
               <a:t>Terceiro nível</a:t>
             </a:r>
           </a:p>
           <a:p>
             <a:pPr lvl="3"/>
             <a:r>
-              <a:rPr lang="pt-PT" smtClean="0"/>
+              <a:rPr lang="pt-PT"/>
               <a:t>Quarto nível</a:t>
             </a:r>
           </a:p>
           <a:p>
             <a:pPr lvl="4"/>
             <a:r>
-              <a:rPr lang="pt-PT" smtClean="0"/>
+              <a:rPr lang="pt-PT"/>
               <a:t>Quinto nível</a:t>
             </a:r>
             <a:endParaRPr lang="en-US" dirty="0"/>
@@ -5738,7 +5743,7 @@
           <a:p>
             <a:pPr lvl="0"/>
             <a:r>
-              <a:rPr lang="pt-PT" smtClean="0"/>
+              <a:rPr lang="pt-PT"/>
               <a:t>Editar os estilos de texto do Modelo Global</a:t>
             </a:r>
           </a:p>
@@ -5766,35 +5771,35 @@
           <a:p>
             <a:pPr lvl="0"/>
             <a:r>
-              <a:rPr lang="pt-PT" smtClean="0"/>
+              <a:rPr lang="pt-PT"/>
               <a:t>Editar os estilos de texto do Modelo Global</a:t>
             </a:r>
           </a:p>
           <a:p>
             <a:pPr lvl="1"/>
             <a:r>
-              <a:rPr lang="pt-PT" smtClean="0"/>
+              <a:rPr lang="pt-PT"/>
               <a:t>Segundo nível</a:t>
             </a:r>
           </a:p>
           <a:p>
             <a:pPr lvl="2"/>
             <a:r>
-              <a:rPr lang="pt-PT" smtClean="0"/>
+              <a:rPr lang="pt-PT"/>
               <a:t>Terceiro nível</a:t>
             </a:r>
           </a:p>
           <a:p>
             <a:pPr lvl="3"/>
             <a:r>
-              <a:rPr lang="pt-PT" smtClean="0"/>
+              <a:rPr lang="pt-PT"/>
               <a:t>Quarto nível</a:t>
             </a:r>
           </a:p>
           <a:p>
             <a:pPr lvl="4"/>
             <a:r>
-              <a:rPr lang="pt-PT" smtClean="0"/>
+              <a:rPr lang="pt-PT"/>
               <a:t>Quinto nível</a:t>
             </a:r>
             <a:endParaRPr lang="en-US" dirty="0"/>
@@ -6046,7 +6051,7 @@
           <a:lstStyle/>
           <a:p>
             <a:r>
-              <a:rPr lang="pt-PT" smtClean="0"/>
+              <a:rPr lang="pt-PT"/>
               <a:t>Clique para editar o estilo</a:t>
             </a:r>
             <a:endParaRPr lang="en-US" dirty="0"/>
@@ -6467,7 +6472,7 @@
           </a:lstStyle>
           <a:p>
             <a:r>
-              <a:rPr lang="pt-PT" smtClean="0"/>
+              <a:rPr lang="pt-PT"/>
               <a:t>Clique para editar o estilo</a:t>
             </a:r>
             <a:endParaRPr lang="en-US" dirty="0"/>
@@ -6496,35 +6501,35 @@
           <a:p>
             <a:pPr lvl="0"/>
             <a:r>
-              <a:rPr lang="pt-PT" smtClean="0"/>
+              <a:rPr lang="pt-PT"/>
               <a:t>Editar os estilos de texto do Modelo Global</a:t>
             </a:r>
           </a:p>
           <a:p>
             <a:pPr lvl="1"/>
             <a:r>
-              <a:rPr lang="pt-PT" smtClean="0"/>
+              <a:rPr lang="pt-PT"/>
               <a:t>Segundo nível</a:t>
             </a:r>
           </a:p>
           <a:p>
             <a:pPr lvl="2"/>
             <a:r>
-              <a:rPr lang="pt-PT" smtClean="0"/>
+              <a:rPr lang="pt-PT"/>
               <a:t>Terceiro nível</a:t>
             </a:r>
           </a:p>
           <a:p>
             <a:pPr lvl="3"/>
             <a:r>
-              <a:rPr lang="pt-PT" smtClean="0"/>
+              <a:rPr lang="pt-PT"/>
               <a:t>Quarto nível</a:t>
             </a:r>
           </a:p>
           <a:p>
             <a:pPr lvl="4"/>
             <a:r>
-              <a:rPr lang="pt-PT" smtClean="0"/>
+              <a:rPr lang="pt-PT"/>
               <a:t>Quinto nível</a:t>
             </a:r>
             <a:endParaRPr lang="en-US" dirty="0"/>
@@ -6590,7 +6595,7 @@
           <a:p>
             <a:pPr lvl="0"/>
             <a:r>
-              <a:rPr lang="pt-PT" smtClean="0"/>
+              <a:rPr lang="pt-PT"/>
               <a:t>Editar os estilos de texto do Modelo Global</a:t>
             </a:r>
           </a:p>
@@ -6852,7 +6857,7 @@
           </a:lstStyle>
           <a:p>
             <a:r>
-              <a:rPr lang="pt-PT" smtClean="0"/>
+              <a:rPr lang="pt-PT"/>
               <a:t>Clique para editar o estilo</a:t>
             </a:r>
             <a:endParaRPr lang="en-US" dirty="0"/>
@@ -6928,7 +6933,7 @@
           </a:lstStyle>
           <a:p>
             <a:r>
-              <a:rPr lang="pt-PT" smtClean="0"/>
+              <a:rPr lang="pt-PT"/>
               <a:t>Clique no ícone para adicionar uma imagem</a:t>
             </a:r>
             <a:endParaRPr lang="en-US" dirty="0"/>
@@ -6994,7 +6999,7 @@
           <a:p>
             <a:pPr lvl="0"/>
             <a:r>
-              <a:rPr lang="pt-PT" smtClean="0"/>
+              <a:rPr lang="pt-PT"/>
               <a:t>Editar os estilos de texto do Modelo Global</a:t>
             </a:r>
           </a:p>
@@ -7152,7 +7157,7 @@
           <a:lstStyle/>
           <a:p>
             <a:r>
-              <a:rPr lang="pt-PT" smtClean="0"/>
+              <a:rPr lang="pt-PT"/>
               <a:t>Clique para editar o estilo</a:t>
             </a:r>
             <a:endParaRPr lang="en-US" dirty="0"/>
@@ -7186,35 +7191,35 @@
           <a:p>
             <a:pPr lvl="0"/>
             <a:r>
-              <a:rPr lang="pt-PT" smtClean="0"/>
+              <a:rPr lang="pt-PT"/>
               <a:t>Editar os estilos de texto do Modelo Global</a:t>
             </a:r>
           </a:p>
           <a:p>
             <a:pPr lvl="1"/>
             <a:r>
-              <a:rPr lang="pt-PT" smtClean="0"/>
+              <a:rPr lang="pt-PT"/>
               <a:t>Segundo nível</a:t>
             </a:r>
           </a:p>
           <a:p>
             <a:pPr lvl="2"/>
             <a:r>
-              <a:rPr lang="pt-PT" smtClean="0"/>
+              <a:rPr lang="pt-PT"/>
               <a:t>Terceiro nível</a:t>
             </a:r>
           </a:p>
           <a:p>
             <a:pPr lvl="3"/>
             <a:r>
-              <a:rPr lang="pt-PT" smtClean="0"/>
+              <a:rPr lang="pt-PT"/>
               <a:t>Quarto nível</a:t>
             </a:r>
           </a:p>
           <a:p>
             <a:pPr lvl="4"/>
             <a:r>
-              <a:rPr lang="pt-PT" smtClean="0"/>
+              <a:rPr lang="pt-PT"/>
               <a:t>Quinto nível</a:t>
             </a:r>
             <a:endParaRPr lang="en-US" dirty="0"/>
@@ -7686,18 +7691,13 @@
           <a:p>
             <a:pPr algn="ctr"/>
             <a:r>
-              <a:rPr lang="pt-PT" dirty="0" smtClean="0">
+              <a:rPr lang="pt-PT" dirty="0">
                 <a:solidFill>
                   <a:srgbClr val="F09415"/>
                 </a:solidFill>
               </a:rPr>
               <a:t>PAWSOME</a:t>
             </a:r>
-            <a:endParaRPr lang="pt-PT" dirty="0">
-              <a:solidFill>
-                <a:srgbClr val="F09415"/>
-              </a:solidFill>
-            </a:endParaRPr>
           </a:p>
         </p:txBody>
       </p:sp>
@@ -7719,14 +7719,31 @@
         </p:spPr>
         <p:txBody>
           <a:bodyPr>
-            <a:normAutofit fontScale="85000" lnSpcReduction="20000"/>
+            <a:normAutofit fontScale="70000" lnSpcReduction="20000"/>
           </a:bodyPr>
           <a:lstStyle/>
           <a:p>
-            <a:pPr algn="l"/>
-            <a:r>
-              <a:rPr lang="pt-PT" dirty="0" smtClean="0"/>
+            <a:pPr algn="l">
+              <a:lnSpc>
+                <a:spcPct val="120000"/>
+              </a:lnSpc>
+            </a:pPr>
+            <a:r>
+              <a:rPr lang="pt-PT" dirty="0"/>
               <a:t>Trabalho realizado por:</a:t>
+            </a:r>
+          </a:p>
+          <a:p>
+            <a:pPr marL="342900" indent="-342900" algn="l">
+              <a:lnSpc>
+                <a:spcPct val="120000"/>
+              </a:lnSpc>
+              <a:buFont typeface="Arial" panose="020B0604020202020204" pitchFamily="34" charset="0"/>
+              <a:buChar char="•"/>
+            </a:pPr>
+            <a:r>
+              <a:rPr lang="pt-PT" dirty="0"/>
+              <a:t>André Gomes - A040227 </a:t>
             </a:r>
           </a:p>
           <a:p>
@@ -7735,8 +7752,8 @@
               <a:buChar char="•"/>
             </a:pPr>
             <a:r>
-              <a:rPr lang="pt-PT" dirty="0" smtClean="0"/>
-              <a:t>a040737 Cátia Antunes</a:t>
+              <a:rPr lang="pt-PT" dirty="0"/>
+              <a:t>Cátia Antunes - A040737 </a:t>
             </a:r>
           </a:p>
           <a:p>
@@ -7745,24 +7762,9 @@
               <a:buChar char="•"/>
             </a:pPr>
             <a:r>
-              <a:rPr lang="pt-PT" dirty="0" smtClean="0"/>
-              <a:t>a040227 André Gomes</a:t>
-            </a:r>
-          </a:p>
-          <a:p>
-            <a:pPr marL="342900" indent="-342900" algn="l">
-              <a:buFont typeface="Arial" panose="020B0604020202020204" pitchFamily="34" charset="0"/>
-              <a:buChar char="•"/>
-            </a:pPr>
-            <a:r>
               <a:rPr lang="pt-PT" dirty="0"/>
-              <a:t>a</a:t>
-            </a:r>
-            <a:r>
-              <a:rPr lang="pt-PT" dirty="0" smtClean="0"/>
-              <a:t>042045 Gonçalo Sousa</a:t>
-            </a:r>
-            <a:endParaRPr lang="pt-PT" dirty="0"/>
+              <a:t>Gonçalo Sousa - A042045 </a:t>
+            </a:r>
           </a:p>
         </p:txBody>
       </p:sp>
@@ -7789,7 +7791,7 @@
           <a:lstStyle/>
           <a:p>
             <a:r>
-              <a:rPr lang="pt-PT" sz="5400" dirty="0" smtClean="0">
+              <a:rPr lang="pt-PT" sz="5400" dirty="0">
                 <a:solidFill>
                   <a:srgbClr val="262626"/>
                 </a:solidFill>
@@ -7827,10 +7829,9 @@
           <a:lstStyle/>
           <a:p>
             <a:r>
-              <a:rPr lang="pt-PT" dirty="0" smtClean="0"/>
+              <a:rPr lang="pt-PT" dirty="0"/>
               <a:t>Tecnologias de internet</a:t>
             </a:r>
-            <a:endParaRPr lang="pt-PT" dirty="0"/>
           </a:p>
         </p:txBody>
       </p:sp>
@@ -7844,25 +7845,18 @@
   <p:clrMapOvr>
     <a:masterClrMapping/>
   </p:clrMapOvr>
-  <mc:AlternateContent xmlns:mc="http://schemas.openxmlformats.org/markup-compatibility/2006">
-    <mc:Choice xmlns:p14="http://schemas.microsoft.com/office/powerpoint/2010/main" Requires="p14">
+  <mc:AlternateContent xmlns:mc="http://schemas.openxmlformats.org/markup-compatibility/2006" xmlns:p14="http://schemas.microsoft.com/office/powerpoint/2010/main">
+    <mc:Choice Requires="p14">
       <p:transition spd="med" p14:dur="700">
         <p:fade/>
       </p:transition>
     </mc:Choice>
-    <mc:Fallback>
+    <mc:Fallback xmlns="">
       <p:transition spd="med">
         <p:fade/>
       </p:transition>
     </mc:Fallback>
   </mc:AlternateContent>
-  <p:timing>
-    <p:tnLst>
-      <p:par>
-        <p:cTn id="1" dur="indefinite" restart="never" nodeType="tmRoot"/>
-      </p:par>
-    </p:tnLst>
-  </p:timing>
 </p:sld>
 </file>
 
@@ -7905,15 +7899,7 @@
                   <a:srgbClr val="F09415"/>
                 </a:solidFill>
               </a:rPr>
-              <a:t>PAWSOME - Adopt a best </a:t>
-            </a:r>
-            <a:r>
-              <a:rPr lang="en-US" b="1" dirty="0" smtClean="0">
-                <a:solidFill>
-                  <a:srgbClr val="F09415"/>
-                </a:solidFill>
-              </a:rPr>
-              <a:t>friend</a:t>
+              <a:t>PAWSOME - Adopt a best friend</a:t>
             </a:r>
             <a:endParaRPr lang="pt-PT" dirty="0">
               <a:solidFill>
@@ -7974,35 +7960,23 @@
           </a:bodyPr>
           <a:lstStyle/>
           <a:p>
-            <a:pPr marL="285750" indent="-285750">
+            <a:pPr marL="285750" indent="-285750" algn="just">
               <a:buFont typeface="Arial" panose="020B0604020202020204" pitchFamily="34" charset="0"/>
               <a:buChar char="•"/>
             </a:pPr>
             <a:r>
-              <a:rPr lang="pt-PT" dirty="0" smtClean="0"/>
-              <a:t>   Fomos </a:t>
-            </a:r>
-            <a:r>
               <a:rPr lang="pt-PT" dirty="0"/>
-              <a:t>propostos para o projeto final de tecnologia de internet para criar uma página sobre o tema dos animais. Optamos por escolher o tema da adoção de </a:t>
-            </a:r>
-            <a:r>
-              <a:rPr lang="pt-PT" dirty="0" smtClean="0"/>
-              <a:t>animais.</a:t>
-            </a:r>
-          </a:p>
-          <a:p>
-            <a:pPr marL="285750" indent="-285750">
+              <a:t>   Fomos propostos para o projeto final de tecnologia de internet para criar uma página sobre o tema dos animais. Optamos por escolher o tema da adoção de animais.</a:t>
+            </a:r>
+          </a:p>
+          <a:p>
+            <a:pPr marL="285750" indent="-285750" algn="just">
               <a:buFont typeface="Arial" panose="020B0604020202020204" pitchFamily="34" charset="0"/>
               <a:buChar char="•"/>
             </a:pPr>
             <a:r>
-              <a:rPr lang="pt-PT" dirty="0" smtClean="0"/>
-              <a:t>   A nossa primeira página mostra-nos todos os animais que estão para adoção, assim como o seu nome e a sua localização, ao clicarmos nos nomes dos animais ou </a:t>
-            </a:r>
-            <a:r>
               <a:rPr lang="pt-PT" dirty="0"/>
-              <a:t>em "</a:t>
+              <a:t>   A nossa primeira página mostra-nos todos os animais que estão para adoção, assim como o seu nome e a sua localização, ao clicarmos nos nomes dos animais ou em "</a:t>
             </a:r>
             <a:r>
               <a:rPr lang="pt-PT" dirty="0" err="1"/>
@@ -8010,133 +7984,69 @@
             </a:r>
             <a:r>
               <a:rPr lang="pt-PT" dirty="0"/>
-              <a:t> more" </a:t>
-            </a:r>
-            <a:r>
-              <a:rPr lang="pt-PT" dirty="0" smtClean="0"/>
-              <a:t>irá para outra página que mostra informações mais detalhadas sobre o animal. Ainda na primeira página temos um cabeçalho com 3 botões, um deles é o logotipo da instituição que cada vez que clicarmos, voltará para a página inicial. </a:t>
-            </a:r>
-          </a:p>
-          <a:p>
-            <a:pPr marL="285750" indent="-285750">
+              <a:t> more" irá para outra página que mostra informações mais detalhadas sobre o animal. Ainda na primeira página temos um cabeçalho com 3 botões, um deles é o logotipo da instituição que cada vez que clicarmos, voltará para a página inicial. </a:t>
+            </a:r>
+          </a:p>
+          <a:p>
+            <a:pPr marL="285750" indent="-285750" algn="just">
               <a:buFont typeface="Arial" panose="020B0604020202020204" pitchFamily="34" charset="0"/>
               <a:buChar char="•"/>
             </a:pPr>
             <a:r>
-              <a:rPr lang="pt-PT" dirty="0" smtClean="0"/>
-              <a:t>   O </a:t>
-            </a:r>
-            <a:r>
               <a:rPr lang="pt-PT" dirty="0"/>
-              <a:t>botão </a:t>
-            </a:r>
-            <a:r>
-              <a:rPr lang="pt-PT" dirty="0" smtClean="0"/>
-              <a:t>“</a:t>
-            </a:r>
-            <a:r>
-              <a:rPr lang="pt-PT" dirty="0" err="1" smtClean="0"/>
+              <a:t>   O botão “</a:t>
+            </a:r>
+            <a:r>
+              <a:rPr lang="pt-PT" dirty="0" err="1"/>
               <a:t>About</a:t>
             </a:r>
             <a:r>
-              <a:rPr lang="pt-PT" dirty="0" smtClean="0"/>
+              <a:rPr lang="pt-PT" dirty="0"/>
               <a:t> </a:t>
             </a:r>
             <a:r>
-              <a:rPr lang="pt-PT" dirty="0" err="1" smtClean="0"/>
+              <a:rPr lang="pt-PT" dirty="0" err="1"/>
               <a:t>us</a:t>
             </a:r>
             <a:r>
-              <a:rPr lang="pt-PT" dirty="0" smtClean="0"/>
-              <a:t>" </a:t>
-            </a:r>
-            <a:r>
               <a:rPr lang="pt-PT" dirty="0"/>
-              <a:t>que irá para uma página que possui </a:t>
-            </a:r>
-            <a:r>
-              <a:rPr lang="pt-PT" dirty="0" smtClean="0"/>
-              <a:t>uma </a:t>
-            </a:r>
-            <a:r>
-              <a:rPr lang="pt-PT" dirty="0"/>
-              <a:t>breve descrição sobre quem somos</a:t>
-            </a:r>
-            <a:r>
-              <a:rPr lang="pt-PT" dirty="0" smtClean="0"/>
-              <a:t>, qual é a nossa missão e nossa visão como instituição de adoção. </a:t>
-            </a:r>
-          </a:p>
-          <a:p>
-            <a:pPr marL="285750" indent="-285750">
+              <a:t>" que irá para uma página que possui uma breve descrição sobre quem somos, qual é a nossa missão e nossa visão como instituição de adoção. </a:t>
+            </a:r>
+          </a:p>
+          <a:p>
+            <a:pPr marL="285750" indent="-285750" algn="just">
               <a:buFont typeface="Arial" panose="020B0604020202020204" pitchFamily="34" charset="0"/>
               <a:buChar char="•"/>
             </a:pPr>
             <a:r>
-              <a:rPr lang="pt-PT" dirty="0" smtClean="0"/>
-              <a:t>   Se </a:t>
-            </a:r>
-            <a:r>
               <a:rPr lang="pt-PT" dirty="0"/>
-              <a:t>clicarmos </a:t>
-            </a:r>
-            <a:r>
-              <a:rPr lang="pt-PT" dirty="0" smtClean="0"/>
-              <a:t>em </a:t>
+              <a:t>   Se clicarmos em "</a:t>
+            </a:r>
+            <a:r>
+              <a:rPr lang="pt-PT" dirty="0" err="1"/>
+              <a:t>Contact</a:t>
             </a:r>
             <a:r>
               <a:rPr lang="pt-PT" dirty="0"/>
-              <a:t>"</a:t>
-            </a:r>
-            <a:r>
-              <a:rPr lang="pt-PT" dirty="0" err="1" smtClean="0"/>
-              <a:t>Contact</a:t>
-            </a:r>
-            <a:r>
-              <a:rPr lang="pt-PT" dirty="0" smtClean="0"/>
               <a:t> </a:t>
             </a:r>
             <a:r>
-              <a:rPr lang="pt-PT" dirty="0" err="1" smtClean="0"/>
+              <a:rPr lang="pt-PT" dirty="0" err="1"/>
               <a:t>us</a:t>
             </a:r>
             <a:r>
-              <a:rPr lang="pt-PT" dirty="0" smtClean="0"/>
-              <a:t>" </a:t>
-            </a:r>
-            <a:r>
               <a:rPr lang="pt-PT" dirty="0"/>
-              <a:t>que é a nossa terceira página, tem todos os contactos da instituição e um formulário. </a:t>
-            </a:r>
-          </a:p>
-          <a:p>
-            <a:pPr marL="285750" indent="-285750">
+              <a:t>" que é a nossa terceira página, tem todos os contactos da instituição e um formulário. </a:t>
+            </a:r>
+          </a:p>
+          <a:p>
+            <a:pPr marL="285750" indent="-285750" algn="just">
               <a:buFont typeface="Arial" panose="020B0604020202020204" pitchFamily="34" charset="0"/>
               <a:buChar char="•"/>
             </a:pPr>
             <a:r>
-              <a:rPr lang="pt-PT" dirty="0" smtClean="0"/>
-              <a:t>   Temos </a:t>
-            </a:r>
-            <a:r>
               <a:rPr lang="pt-PT" dirty="0"/>
-              <a:t>também </a:t>
-            </a:r>
-            <a:r>
-              <a:rPr lang="pt-PT" dirty="0" smtClean="0"/>
-              <a:t>o nosso </a:t>
-            </a:r>
-            <a:r>
-              <a:rPr lang="pt-PT" dirty="0"/>
-              <a:t>rodapé que possui 4 ícones </a:t>
-            </a:r>
-            <a:r>
-              <a:rPr lang="pt-PT" dirty="0" smtClean="0"/>
-              <a:t>que redireciona para as </a:t>
-            </a:r>
-            <a:r>
-              <a:rPr lang="pt-PT" dirty="0"/>
-              <a:t>nossas redes sociais. Cabeçalhos e rodapés estão presentes em todas as páginas.</a:t>
+              <a:t>   Temos também o nosso rodapé que possui 4 ícones que redireciona para as nossas redes sociais. Cabeçalhos e rodapés estão presentes em todas as páginas.</a:t>
             </a:r>
           </a:p>
         </p:txBody>
@@ -8151,25 +8061,18 @@
   <p:clrMapOvr>
     <a:masterClrMapping/>
   </p:clrMapOvr>
-  <mc:AlternateContent xmlns:mc="http://schemas.openxmlformats.org/markup-compatibility/2006">
-    <mc:Choice xmlns:p14="http://schemas.microsoft.com/office/powerpoint/2010/main" Requires="p14">
+  <mc:AlternateContent xmlns:mc="http://schemas.openxmlformats.org/markup-compatibility/2006" xmlns:p14="http://schemas.microsoft.com/office/powerpoint/2010/main">
+    <mc:Choice Requires="p14">
       <p:transition spd="med" p14:dur="700">
         <p:fade/>
       </p:transition>
     </mc:Choice>
-    <mc:Fallback>
+    <mc:Fallback xmlns="">
       <p:transition spd="med">
         <p:fade/>
       </p:transition>
     </mc:Fallback>
   </mc:AlternateContent>
-  <p:timing>
-    <p:tnLst>
-      <p:par>
-        <p:cTn id="1" dur="indefinite" restart="never" nodeType="tmRoot"/>
-      </p:par>
-    </p:tnLst>
-  </p:timing>
 </p:sld>
 </file>
 
@@ -8207,18 +8110,13 @@
           <a:p>
             <a:pPr algn="ctr"/>
             <a:r>
-              <a:rPr lang="pt-PT" dirty="0" smtClean="0">
+              <a:rPr lang="pt-PT" dirty="0">
                 <a:solidFill>
                   <a:srgbClr val="F09415"/>
                 </a:solidFill>
               </a:rPr>
               <a:t>Tecnologias usadas</a:t>
             </a:r>
-            <a:endParaRPr lang="pt-PT" dirty="0">
-              <a:solidFill>
-                <a:srgbClr val="F09415"/>
-              </a:solidFill>
-            </a:endParaRPr>
           </a:p>
         </p:txBody>
       </p:sp>
@@ -8313,25 +8211,18 @@
   <p:clrMapOvr>
     <a:masterClrMapping/>
   </p:clrMapOvr>
-  <mc:AlternateContent xmlns:mc="http://schemas.openxmlformats.org/markup-compatibility/2006">
-    <mc:Choice xmlns:p14="http://schemas.microsoft.com/office/powerpoint/2010/main" Requires="p14">
+  <mc:AlternateContent xmlns:mc="http://schemas.openxmlformats.org/markup-compatibility/2006" xmlns:p14="http://schemas.microsoft.com/office/powerpoint/2010/main">
+    <mc:Choice Requires="p14">
       <p:transition spd="med" p14:dur="700">
         <p:fade/>
       </p:transition>
     </mc:Choice>
-    <mc:Fallback>
+    <mc:Fallback xmlns="">
       <p:transition spd="med">
         <p:fade/>
       </p:transition>
     </mc:Fallback>
   </mc:AlternateContent>
-  <p:timing>
-    <p:tnLst>
-      <p:par>
-        <p:cTn id="1" dur="indefinite" restart="never" nodeType="tmRoot"/>
-      </p:par>
-    </p:tnLst>
-  </p:timing>
 </p:sld>
 </file>
 
@@ -8369,7 +8260,7 @@
           <a:p>
             <a:pPr algn="ctr"/>
             <a:r>
-              <a:rPr lang="pt-PT" b="1" dirty="0" err="1" smtClean="0">
+              <a:rPr lang="pt-PT" b="1" dirty="0" err="1">
                 <a:solidFill>
                   <a:srgbClr val="F09415"/>
                 </a:solidFill>
@@ -8543,25 +8434,18 @@
   <p:clrMapOvr>
     <a:masterClrMapping/>
   </p:clrMapOvr>
-  <mc:AlternateContent xmlns:mc="http://schemas.openxmlformats.org/markup-compatibility/2006">
-    <mc:Choice xmlns:p14="http://schemas.microsoft.com/office/powerpoint/2010/main" Requires="p14">
+  <mc:AlternateContent xmlns:mc="http://schemas.openxmlformats.org/markup-compatibility/2006" xmlns:p14="http://schemas.microsoft.com/office/powerpoint/2010/main">
+    <mc:Choice Requires="p14">
       <p:transition spd="med" p14:dur="700">
         <p:fade/>
       </p:transition>
     </mc:Choice>
-    <mc:Fallback>
+    <mc:Fallback xmlns="">
       <p:transition spd="med">
         <p:fade/>
       </p:transition>
     </mc:Fallback>
   </mc:AlternateContent>
-  <p:timing>
-    <p:tnLst>
-      <p:par>
-        <p:cTn id="1" dur="indefinite" restart="never" nodeType="tmRoot"/>
-      </p:par>
-    </p:tnLst>
-  </p:timing>
 </p:sld>
 </file>
 
@@ -8599,7 +8483,7 @@
           <a:p>
             <a:pPr algn="ctr"/>
             <a:r>
-              <a:rPr lang="pt-PT" b="1" dirty="0" err="1" smtClean="0">
+              <a:rPr lang="pt-PT" b="1" dirty="0" err="1">
                 <a:solidFill>
                   <a:srgbClr val="F09415"/>
                 </a:solidFill>
@@ -8683,25 +8567,18 @@
   <p:clrMapOvr>
     <a:masterClrMapping/>
   </p:clrMapOvr>
-  <mc:AlternateContent xmlns:mc="http://schemas.openxmlformats.org/markup-compatibility/2006">
-    <mc:Choice xmlns:p14="http://schemas.microsoft.com/office/powerpoint/2010/main" Requires="p14">
+  <mc:AlternateContent xmlns:mc="http://schemas.openxmlformats.org/markup-compatibility/2006" xmlns:p14="http://schemas.microsoft.com/office/powerpoint/2010/main">
+    <mc:Choice Requires="p14">
       <p:transition spd="med" p14:dur="700">
         <p:fade/>
       </p:transition>
     </mc:Choice>
-    <mc:Fallback>
+    <mc:Fallback xmlns="">
       <p:transition spd="med">
         <p:fade/>
       </p:transition>
     </mc:Fallback>
   </mc:AlternateContent>
-  <p:timing>
-    <p:tnLst>
-      <p:par>
-        <p:cTn id="1" dur="indefinite" restart="never" nodeType="tmRoot"/>
-      </p:par>
-    </p:tnLst>
-  </p:timing>
 </p:sld>
 </file>
 
@@ -8739,18 +8616,13 @@
           <a:p>
             <a:pPr algn="ctr"/>
             <a:r>
-              <a:rPr lang="pt-PT" dirty="0" smtClean="0">
+              <a:rPr lang="pt-PT" dirty="0">
                 <a:solidFill>
                   <a:srgbClr val="F09415"/>
                 </a:solidFill>
               </a:rPr>
               <a:t>Detalhes</a:t>
             </a:r>
-            <a:endParaRPr lang="pt-PT" dirty="0">
-              <a:solidFill>
-                <a:srgbClr val="F09415"/>
-              </a:solidFill>
-            </a:endParaRPr>
           </a:p>
         </p:txBody>
       </p:sp>
@@ -8769,51 +8641,31 @@
           <a:bodyPr/>
           <a:lstStyle/>
           <a:p>
+            <a:pPr algn="just"/>
             <a:r>
               <a:rPr lang="pt-PT" dirty="0"/>
-              <a:t>Nenhuma autenticação é necessária, o site é estático e apenas para fins de apresentação</a:t>
-            </a:r>
-            <a:r>
-              <a:rPr lang="pt-PT" dirty="0" smtClean="0"/>
-              <a:t>.</a:t>
-            </a:r>
-          </a:p>
-          <a:p>
+              <a:t>Nenhuma autenticação é necessária, o site é estático e apenas para fins de apresentação.</a:t>
+            </a:r>
+          </a:p>
+          <a:p>
+            <a:pPr algn="just"/>
             <a:r>
               <a:rPr lang="pt-PT" dirty="0"/>
-              <a:t>Cada página tem um título que identifica sua localização atual no </a:t>
-            </a:r>
-            <a:r>
-              <a:rPr lang="pt-PT" dirty="0" smtClean="0"/>
-              <a:t>site</a:t>
-            </a:r>
-          </a:p>
-          <a:p>
+              <a:t>Cada página tem um título que identifica sua localização atual no site</a:t>
+            </a:r>
+          </a:p>
+          <a:p>
+            <a:pPr algn="just"/>
             <a:r>
               <a:rPr lang="pt-PT" dirty="0"/>
-              <a:t>Todos os formulários são estáticos e apenas para fins de </a:t>
-            </a:r>
-            <a:r>
-              <a:rPr lang="pt-PT" dirty="0" smtClean="0"/>
-              <a:t>apresentação</a:t>
-            </a:r>
-          </a:p>
-          <a:p>
+              <a:t>Todos os formulários são estáticos e apenas para fins de apresentação</a:t>
+            </a:r>
+          </a:p>
+          <a:p>
+            <a:pPr algn="just"/>
             <a:r>
               <a:rPr lang="pt-PT" dirty="0"/>
-              <a:t>Todos os arquivos </a:t>
-            </a:r>
-            <a:r>
-              <a:rPr lang="pt-PT" dirty="0" smtClean="0"/>
-              <a:t>CSS3 e HTML5 passaram </a:t>
-            </a:r>
-            <a:r>
-              <a:rPr lang="pt-PT" dirty="0"/>
-              <a:t>na validação do </a:t>
-            </a:r>
-            <a:r>
-              <a:rPr lang="pt-PT" dirty="0" smtClean="0"/>
-              <a:t>W3C</a:t>
+              <a:t>Todos os arquivos CSS3 e HTML5 passaram na validação do W3C</a:t>
             </a:r>
           </a:p>
         </p:txBody>
@@ -8858,25 +8710,18 @@
   <p:clrMapOvr>
     <a:masterClrMapping/>
   </p:clrMapOvr>
-  <mc:AlternateContent xmlns:mc="http://schemas.openxmlformats.org/markup-compatibility/2006">
-    <mc:Choice xmlns:p14="http://schemas.microsoft.com/office/powerpoint/2010/main" Requires="p14">
+  <mc:AlternateContent xmlns:mc="http://schemas.openxmlformats.org/markup-compatibility/2006" xmlns:p14="http://schemas.microsoft.com/office/powerpoint/2010/main">
+    <mc:Choice Requires="p14">
       <p:transition spd="med" p14:dur="700">
         <p:fade/>
       </p:transition>
     </mc:Choice>
-    <mc:Fallback>
+    <mc:Fallback xmlns="">
       <p:transition spd="med">
         <p:fade/>
       </p:transition>
     </mc:Fallback>
   </mc:AlternateContent>
-  <p:timing>
-    <p:tnLst>
-      <p:par>
-        <p:cTn id="1" dur="indefinite" restart="never" nodeType="tmRoot"/>
-      </p:par>
-    </p:tnLst>
-  </p:timing>
 </p:sld>
 </file>
 
@@ -8914,20 +8759,12 @@
           <a:p>
             <a:pPr algn="ctr"/>
             <a:r>
-              <a:rPr lang="pt-PT" dirty="0" smtClean="0">
-                <a:solidFill>
-                  <a:srgbClr val="F09415"/>
-                </a:solidFill>
-              </a:rPr>
-              <a:t>As nossas </a:t>
-            </a:r>
-            <a:r>
               <a:rPr lang="pt-PT" dirty="0">
                 <a:solidFill>
                   <a:srgbClr val="F09415"/>
                 </a:solidFill>
               </a:rPr>
-              <a:t>páginas principais</a:t>
+              <a:t>As nossas páginas principais</a:t>
             </a:r>
           </a:p>
         </p:txBody>
@@ -8962,31 +8799,19 @@
           </a:p>
           <a:p>
             <a:r>
-              <a:rPr lang="en-US" dirty="0" smtClean="0">
-                <a:hlinkClick r:id="rId3"/>
-              </a:rPr>
-              <a:t>About </a:t>
-            </a:r>
-            <a:r>
               <a:rPr lang="en-US" dirty="0">
                 <a:hlinkClick r:id="rId3"/>
               </a:rPr>
-              <a:t>us </a:t>
+              <a:t>About us </a:t>
             </a:r>
             <a:endParaRPr lang="en-US" dirty="0"/>
           </a:p>
           <a:p>
-            <a:r>
-              <a:rPr lang="en-US" dirty="0" smtClean="0">
-                <a:hlinkClick r:id="rId4"/>
-              </a:rPr>
-              <a:t>Contact </a:t>
-            </a:r>
             <a:r>
               <a:rPr lang="en-US" dirty="0">
                 <a:hlinkClick r:id="rId4"/>
               </a:rPr>
-              <a:t>us </a:t>
+              <a:t>Contact us </a:t>
             </a:r>
             <a:endParaRPr lang="pt-PT" dirty="0"/>
           </a:p>
@@ -9032,25 +8857,18 @@
   <p:clrMapOvr>
     <a:masterClrMapping/>
   </p:clrMapOvr>
-  <mc:AlternateContent xmlns:mc="http://schemas.openxmlformats.org/markup-compatibility/2006">
-    <mc:Choice xmlns:p14="http://schemas.microsoft.com/office/powerpoint/2010/main" Requires="p14">
+  <mc:AlternateContent xmlns:mc="http://schemas.openxmlformats.org/markup-compatibility/2006" xmlns:p14="http://schemas.microsoft.com/office/powerpoint/2010/main">
+    <mc:Choice Requires="p14">
       <p:transition spd="med" p14:dur="700">
         <p:fade/>
       </p:transition>
     </mc:Choice>
-    <mc:Fallback>
+    <mc:Fallback xmlns="">
       <p:transition spd="med">
         <p:fade/>
       </p:transition>
     </mc:Fallback>
   </mc:AlternateContent>
-  <p:timing>
-    <p:tnLst>
-      <p:par>
-        <p:cTn id="1" dur="indefinite" restart="never" nodeType="tmRoot"/>
-      </p:par>
-    </p:tnLst>
-  </p:timing>
 </p:sld>
 </file>
 
@@ -9088,18 +8906,13 @@
           <a:p>
             <a:pPr algn="ctr"/>
             <a:r>
-              <a:rPr lang="pt-PT" dirty="0" smtClean="0">
+              <a:rPr lang="pt-PT" dirty="0">
                 <a:solidFill>
                   <a:srgbClr val="F09415"/>
                 </a:solidFill>
               </a:rPr>
               <a:t>Códigos</a:t>
             </a:r>
-            <a:endParaRPr lang="pt-PT" dirty="0">
-              <a:solidFill>
-                <a:srgbClr val="F09415"/>
-              </a:solidFill>
-            </a:endParaRPr>
           </a:p>
         </p:txBody>
       </p:sp>
@@ -9119,63 +8932,63 @@
           <a:lstStyle/>
           <a:p>
             <a:r>
-              <a:rPr lang="pt-PT" dirty="0" smtClean="0">
+              <a:rPr lang="pt-PT" dirty="0">
                 <a:hlinkClick r:id="rId2"/>
               </a:rPr>
               <a:t>CSS </a:t>
             </a:r>
             <a:r>
-              <a:rPr lang="pt-PT" dirty="0" err="1" smtClean="0">
+              <a:rPr lang="pt-PT" dirty="0" err="1">
                 <a:hlinkClick r:id="rId2"/>
               </a:rPr>
               <a:t>Code</a:t>
             </a:r>
-            <a:endParaRPr lang="pt-PT" dirty="0" smtClean="0"/>
-          </a:p>
-          <a:p>
-            <a:r>
-              <a:rPr lang="pt-PT" dirty="0" smtClean="0">
+            <a:endParaRPr lang="pt-PT" dirty="0"/>
+          </a:p>
+          <a:p>
+            <a:r>
+              <a:rPr lang="pt-PT" dirty="0">
                 <a:hlinkClick r:id="rId3"/>
               </a:rPr>
               <a:t>JS </a:t>
             </a:r>
             <a:r>
-              <a:rPr lang="pt-PT" dirty="0" err="1" smtClean="0">
+              <a:rPr lang="pt-PT" dirty="0" err="1">
                 <a:hlinkClick r:id="rId3"/>
               </a:rPr>
               <a:t>Code</a:t>
             </a:r>
-            <a:endParaRPr lang="pt-PT" dirty="0" smtClean="0"/>
-          </a:p>
-          <a:p>
-            <a:r>
-              <a:rPr lang="pt-PT" dirty="0" smtClean="0">
+            <a:endParaRPr lang="pt-PT" dirty="0"/>
+          </a:p>
+          <a:p>
+            <a:r>
+              <a:rPr lang="pt-PT" dirty="0">
                 <a:hlinkClick r:id="rId4"/>
               </a:rPr>
               <a:t>XML/XSD </a:t>
             </a:r>
             <a:r>
-              <a:rPr lang="pt-PT" dirty="0" err="1" smtClean="0">
+              <a:rPr lang="pt-PT" dirty="0" err="1">
                 <a:hlinkClick r:id="rId4"/>
               </a:rPr>
               <a:t>Code</a:t>
             </a:r>
-            <a:endParaRPr lang="pt-PT" dirty="0" smtClean="0"/>
-          </a:p>
-          <a:p>
-            <a:r>
-              <a:rPr lang="pt-PT" dirty="0" smtClean="0">
+            <a:endParaRPr lang="pt-PT" dirty="0"/>
+          </a:p>
+          <a:p>
+            <a:r>
+              <a:rPr lang="pt-PT" dirty="0">
                 <a:hlinkClick r:id="rId5"/>
               </a:rPr>
               <a:t>HTML </a:t>
             </a:r>
             <a:r>
-              <a:rPr lang="pt-PT" dirty="0" err="1" smtClean="0">
+              <a:rPr lang="pt-PT" dirty="0" err="1">
                 <a:hlinkClick r:id="rId5"/>
               </a:rPr>
               <a:t>Code</a:t>
             </a:r>
-            <a:endParaRPr lang="pt-PT" dirty="0" smtClean="0"/>
+            <a:endParaRPr lang="pt-PT" dirty="0"/>
           </a:p>
         </p:txBody>
       </p:sp>
@@ -9219,25 +9032,18 @@
   <p:clrMapOvr>
     <a:masterClrMapping/>
   </p:clrMapOvr>
-  <mc:AlternateContent xmlns:mc="http://schemas.openxmlformats.org/markup-compatibility/2006">
-    <mc:Choice xmlns:p14="http://schemas.microsoft.com/office/powerpoint/2010/main" Requires="p14">
+  <mc:AlternateContent xmlns:mc="http://schemas.openxmlformats.org/markup-compatibility/2006" xmlns:p14="http://schemas.microsoft.com/office/powerpoint/2010/main">
+    <mc:Choice Requires="p14">
       <p:transition spd="med" p14:dur="700">
         <p:fade/>
       </p:transition>
     </mc:Choice>
-    <mc:Fallback>
+    <mc:Fallback xmlns="">
       <p:transition spd="med">
         <p:fade/>
       </p:transition>
     </mc:Fallback>
   </mc:AlternateContent>
-  <p:timing>
-    <p:tnLst>
-      <p:par>
-        <p:cTn id="1" dur="indefinite" restart="never" nodeType="tmRoot"/>
-      </p:par>
-    </p:tnLst>
-  </p:timing>
 </p:sld>
 </file>
 
@@ -9275,18 +9081,13 @@
           <a:p>
             <a:pPr algn="ctr"/>
             <a:r>
-              <a:rPr lang="pt-PT" dirty="0" smtClean="0">
+              <a:rPr lang="pt-PT" dirty="0">
                 <a:solidFill>
                   <a:srgbClr val="F09415"/>
                 </a:solidFill>
               </a:rPr>
               <a:t>Fim</a:t>
             </a:r>
-            <a:endParaRPr lang="pt-PT" dirty="0">
-              <a:solidFill>
-                <a:srgbClr val="F09415"/>
-              </a:solidFill>
-            </a:endParaRPr>
           </a:p>
         </p:txBody>
       </p:sp>
@@ -9300,16 +9101,46 @@
             <p:ph idx="1"/>
           </p:nvPr>
         </p:nvSpPr>
-        <p:spPr/>
+        <p:spPr>
+          <a:xfrm>
+            <a:off x="-1" y="2336873"/>
+            <a:ext cx="12192001" cy="3599316"/>
+          </a:xfrm>
+        </p:spPr>
         <p:txBody>
           <a:bodyPr/>
           <a:lstStyle/>
           <a:p>
-            <a:r>
-              <a:rPr lang="pt-PT" dirty="0" smtClean="0"/>
-              <a:t>Obrigado pela atenção</a:t>
-            </a:r>
+            <a:pPr marL="0" indent="0">
+              <a:buNone/>
+            </a:pPr>
             <a:endParaRPr lang="pt-PT" dirty="0"/>
+          </a:p>
+          <a:p>
+            <a:pPr marL="0" indent="0">
+              <a:buNone/>
+            </a:pPr>
+            <a:endParaRPr lang="pt-PT" dirty="0"/>
+          </a:p>
+          <a:p>
+            <a:pPr marL="0" indent="0">
+              <a:buNone/>
+            </a:pPr>
+            <a:endParaRPr lang="pt-PT" dirty="0"/>
+          </a:p>
+          <a:p>
+            <a:pPr marL="0" indent="0" algn="ctr">
+              <a:buNone/>
+            </a:pPr>
+            <a:r>
+              <a:rPr lang="pt-PT" sz="4800" dirty="0"/>
+              <a:t>Obrigado </a:t>
+            </a:r>
+            <a:r>
+              <a:rPr lang="pt-PT" sz="4800"/>
+              <a:t>pela atenção!</a:t>
+            </a:r>
+            <a:endParaRPr lang="pt-PT" sz="4800" dirty="0"/>
           </a:p>
         </p:txBody>
       </p:sp>
@@ -9353,25 +9184,18 @@
   <p:clrMapOvr>
     <a:masterClrMapping/>
   </p:clrMapOvr>
-  <mc:AlternateContent xmlns:mc="http://schemas.openxmlformats.org/markup-compatibility/2006">
-    <mc:Choice xmlns:p14="http://schemas.microsoft.com/office/powerpoint/2010/main" Requires="p14">
+  <mc:AlternateContent xmlns:mc="http://schemas.openxmlformats.org/markup-compatibility/2006" xmlns:p14="http://schemas.microsoft.com/office/powerpoint/2010/main">
+    <mc:Choice Requires="p14">
       <p:transition spd="med" p14:dur="700">
         <p:fade/>
       </p:transition>
     </mc:Choice>
-    <mc:Fallback>
+    <mc:Fallback xmlns="">
       <p:transition spd="med">
         <p:fade/>
       </p:transition>
     </mc:Fallback>
   </mc:AlternateContent>
-  <p:timing>
-    <p:tnLst>
-      <p:par>
-        <p:cTn id="1" dur="indefinite" restart="never" nodeType="tmRoot"/>
-      </p:par>
-    </p:tnLst>
-  </p:timing>
 </p:sld>
 </file>
 
